--- a/lectures/01-introduction.pptx
+++ b/lectures/01-introduction.pptx
@@ -5346,53 +5346,101 @@
           <a:lstStyle/>
           <a:p>
             <a:r>
-              <a:rPr lang="en-US" dirty="0"/>
-              <a:t>King of the Hill</a:t>
-            </a:r>
+              <a:rPr lang="nb-NO" dirty="0"/>
+              <a:t>Z</a:t>
+            </a:r>
+            <a:r>
+              <a:rPr lang="en-US" dirty="0" err="1"/>
+              <a:t>ombie</a:t>
+            </a:r>
+            <a:r>
+              <a:rPr lang="en-US" dirty="0"/>
+              <a:t> </a:t>
+            </a:r>
+            <a:r>
+              <a:rPr lang="en-US"/>
+              <a:t>apocalypse survivor</a:t>
+            </a:r>
+            <a:endParaRPr lang="en-US" dirty="0"/>
           </a:p>
         </p:txBody>
       </p:sp>
       <p:pic>
         <p:nvPicPr>
-          <p:cNvPr id="3074" name="Picture 2" descr="http://iruntheinternet.com/lulzdump/images/IT-throne-Computer-throne-YOSPOS-PC-throne-iron-thone-1432806921l.jpg?id="/>
+          <p:cNvPr id="5" name="Picture 4">
+            <a:extLst>
+              <a:ext uri="{FF2B5EF4-FFF2-40B4-BE49-F238E27FC236}">
+                <a16:creationId xmlns:a16="http://schemas.microsoft.com/office/drawing/2014/main" id="{08471543-369A-49F0-995A-260301BE5E67}"/>
+              </a:ext>
+            </a:extLst>
+          </p:cNvPr>
           <p:cNvPicPr>
-            <a:picLocks noChangeAspect="1" noChangeArrowheads="1"/>
+            <a:picLocks noChangeAspect="1"/>
           </p:cNvPicPr>
           <p:nvPr/>
         </p:nvPicPr>
         <p:blipFill>
-          <a:blip r:embed="rId2">
-            <a:extLst>
-              <a:ext uri="{28A0092B-C50C-407E-A947-70E740481C1C}">
-                <a14:useLocalDpi xmlns:a14="http://schemas.microsoft.com/office/drawing/2010/main" val="0"/>
-              </a:ext>
-            </a:extLst>
-          </a:blip>
-          <a:srcRect/>
+          <a:blip r:embed="rId2"/>
           <a:stretch>
             <a:fillRect/>
           </a:stretch>
         </p:blipFill>
-        <p:spPr bwMode="auto">
+        <p:spPr>
           <a:xfrm>
-            <a:off x="1332238" y="1758092"/>
-            <a:ext cx="6739916" cy="5051463"/>
+            <a:off x="718457" y="1772335"/>
+            <a:ext cx="7707086" cy="4254141"/>
+          </a:xfrm>
+          <a:prstGeom prst="rect">
+            <a:avLst/>
+          </a:prstGeom>
+        </p:spPr>
+      </p:pic>
+      <p:sp>
+        <p:nvSpPr>
+          <p:cNvPr id="7" name="TextBox 6">
+            <a:extLst>
+              <a:ext uri="{FF2B5EF4-FFF2-40B4-BE49-F238E27FC236}">
+                <a16:creationId xmlns:a16="http://schemas.microsoft.com/office/drawing/2014/main" id="{74B7B44A-1C09-41F3-B6D8-ED9598588BDB}"/>
+              </a:ext>
+            </a:extLst>
+          </p:cNvPr>
+          <p:cNvSpPr txBox="1"/>
+          <p:nvPr/>
+        </p:nvSpPr>
+        <p:spPr>
+          <a:xfrm>
+            <a:off x="916847" y="6275998"/>
+            <a:ext cx="7387022" cy="369332"/>
           </a:xfrm>
           <a:prstGeom prst="rect">
             <a:avLst/>
           </a:prstGeom>
           <a:noFill/>
-          <a:extLst>
-            <a:ext uri="{909E8E84-426E-40DD-AFC4-6F175D3DCCD1}">
-              <a14:hiddenFill xmlns:a14="http://schemas.microsoft.com/office/drawing/2010/main">
-                <a:solidFill>
-                  <a:srgbClr val="FFFFFF"/>
-                </a:solidFill>
-              </a14:hiddenFill>
-            </a:ext>
-          </a:extLst>
         </p:spPr>
-      </p:pic>
+        <p:txBody>
+          <a:bodyPr wrap="none" rtlCol="0">
+            <a:spAutoFit/>
+          </a:bodyPr>
+          <a:lstStyle/>
+          <a:p>
+            <a:r>
+              <a:rPr lang="en-US" i="1" dirty="0"/>
+              <a:t>More details: </a:t>
+            </a:r>
+            <a:r>
+              <a:rPr lang="en-US" i="1" dirty="0">
+                <a:hlinkClick r:id="rId3"/>
+              </a:rPr>
+              <a:t>https://www.usenix.org/system/files/1311_05-08_mickens.pdf</a:t>
+            </a:r>
+            <a:r>
+              <a:rPr lang="en-US" i="1" dirty="0"/>
+              <a:t> </a:t>
+            </a:r>
+            <a:endParaRPr lang="en-US" dirty="0"/>
+          </a:p>
+        </p:txBody>
+      </p:sp>
     </p:spTree>
     <p:extLst>
       <p:ext uri="{BB962C8B-B14F-4D97-AF65-F5344CB8AC3E}">

--- a/lectures/01-introduction.pptx
+++ b/lectures/01-introduction.pptx
@@ -5355,13 +5355,8 @@
             </a:r>
             <a:r>
               <a:rPr lang="en-US" dirty="0"/>
-              <a:t> </a:t>
-            </a:r>
-            <a:r>
-              <a:rPr lang="en-US"/>
-              <a:t>apocalypse survivor</a:t>
-            </a:r>
-            <a:endParaRPr lang="en-US" dirty="0"/>
+              <a:t> apocalypse survivor</a:t>
+            </a:r>
           </a:p>
         </p:txBody>
       </p:sp>
@@ -7247,25 +7242,6 @@
       </p:grpSpPr>
       <p:sp>
         <p:nvSpPr>
-          <p:cNvPr id="5" name="Title 4"/>
-          <p:cNvSpPr>
-            <a:spLocks noGrp="1"/>
-          </p:cNvSpPr>
-          <p:nvPr>
-            <p:ph type="title"/>
-          </p:nvPr>
-        </p:nvSpPr>
-        <p:spPr/>
-        <p:txBody>
-          <a:bodyPr/>
-          <a:lstStyle/>
-          <a:p>
-            <a:endParaRPr lang="en-US" dirty="0"/>
-          </a:p>
-        </p:txBody>
-      </p:sp>
-      <p:sp>
-        <p:nvSpPr>
           <p:cNvPr id="6" name="Content Placeholder 5"/>
           <p:cNvSpPr>
             <a:spLocks noGrp="1"/>
@@ -7306,7 +7282,7 @@
             </a:r>
             <a:r>
               <a:rPr lang="en-US" dirty="0"/>
-              <a:t> for many different types of devices</a:t>
+              <a:t> for many different types of devices…</a:t>
             </a:r>
           </a:p>
           <a:p>
@@ -7314,6 +7290,12 @@
             <a:r>
               <a:rPr lang="en-US" dirty="0"/>
               <a:t>Differing requirements (functionality, footprint, real-time)</a:t>
+            </a:r>
+          </a:p>
+          <a:p>
+            <a:r>
+              <a:rPr lang="en-US" dirty="0"/>
+              <a:t>… and applications</a:t>
             </a:r>
           </a:p>
           <a:p>
